--- a/[v1] Sweet home.pptx
+++ b/[v1] Sweet home.pptx
@@ -113,6 +113,11 @@
       </a:defRPr>
     </a:lvl9pPr>
   </p:defaultTextStyle>
+  <p:extLst>
+    <p:ext uri="{EFAFB233-063F-42B5-8137-9DF3F51BA10A}">
+      <p15:sldGuideLst xmlns:p15="http://schemas.microsoft.com/office/powerpoint/2012/main"/>
+    </p:ext>
+  </p:extLst>
 </p:presentation>
 </file>
 
@@ -6286,7 +6291,7 @@
           <a:graphicData uri="http://schemas.openxmlformats.org/presentationml/2006/ole">
             <mc:AlternateContent xmlns:mc="http://schemas.openxmlformats.org/markup-compatibility/2006">
               <mc:Choice xmlns:v="urn:schemas-microsoft-com:vml" Requires="v">
-                <p:oleObj spid="_x0000_s3074" name="워크시트" r:id="rId4" imgW="14535091" imgH="6086475" progId="Excel.Sheet.12">
+                <p:oleObj spid="_x0000_s3075" name="워크시트" r:id="rId4" imgW="14535091" imgH="6086475" progId="Excel.Sheet.12">
                   <p:embed/>
                 </p:oleObj>
               </mc:Choice>
@@ -8214,7 +8219,7 @@
                     <a:lstStyle/>
                     <a:p>
                       <a:pPr algn="l" fontAlgn="ctr"/>
-                      <a:endParaRPr lang="ko-KR" altLang="en-US" sz="900" b="0" i="0" u="none" strike="noStrike">
+                      <a:endParaRPr lang="ko-KR" altLang="en-US" sz="900" b="0" i="0" u="none" strike="noStrike" dirty="0">
                         <a:solidFill>
                           <a:srgbClr val="000000"/>
                         </a:solidFill>
@@ -8251,7 +8256,7 @@
                     <a:lstStyle/>
                     <a:p>
                       <a:pPr algn="l" fontAlgn="ctr"/>
-                      <a:endParaRPr lang="ko-KR" altLang="en-US" sz="900" b="0" i="0" u="none" strike="noStrike">
+                      <a:endParaRPr lang="ko-KR" altLang="en-US" sz="900" b="0" i="0" u="none" strike="noStrike" dirty="0">
                         <a:solidFill>
                           <a:srgbClr val="000000"/>
                         </a:solidFill>
@@ -8289,7 +8294,7 @@
                     <a:p>
                       <a:pPr algn="ctr" fontAlgn="ctr"/>
                       <a:r>
-                        <a:rPr lang="en-US" sz="900" b="0" i="0" u="none" strike="noStrike">
+                        <a:rPr lang="en-US" sz="900" b="0" i="0" u="none" strike="noStrike" dirty="0">
                           <a:solidFill>
                             <a:srgbClr val="000000"/>
                           </a:solidFill>
@@ -17630,7 +17635,11 @@
           </a:p>
           <a:p>
             <a:r>
-              <a:rPr lang="en-US" altLang="ko-KR" dirty="0" err="1" smtClean="0"/>
+              <a:rPr lang="en-US" altLang="ko-KR"/>
+              <a:t>t</a:t>
+            </a:r>
+            <a:r>
+              <a:rPr lang="en-US" altLang="ko-KR" smtClean="0"/>
               <a:t>bl_suggest</a:t>
             </a:r>
             <a:endParaRPr lang="ko-KR" altLang="en-US" dirty="0"/>
@@ -17749,7 +17758,7 @@
           <a:graphicData uri="http://schemas.openxmlformats.org/presentationml/2006/ole">
             <mc:AlternateContent xmlns:mc="http://schemas.openxmlformats.org/markup-compatibility/2006">
               <mc:Choice xmlns:v="urn:schemas-microsoft-com:vml" Requires="v">
-                <p:oleObj spid="_x0000_s2051" name="워크시트" r:id="rId3" imgW="7982009" imgH="3800475" progId="Excel.Sheet.12">
+                <p:oleObj spid="_x0000_s2052" name="워크시트" r:id="rId3" imgW="7982009" imgH="3800475" progId="Excel.Sheet.12">
                   <p:embed/>
                 </p:oleObj>
               </mc:Choice>
